--- a/Documentation/Презентация проекта.pptx
+++ b/Documentation/Презентация проекта.pptx
@@ -9,11 +9,13 @@
     <p:sldId id="257" r:id="rId3"/>
     <p:sldId id="258" r:id="rId4"/>
     <p:sldId id="259" r:id="rId5"/>
-    <p:sldId id="265" r:id="rId6"/>
-    <p:sldId id="260" r:id="rId7"/>
-    <p:sldId id="261" r:id="rId8"/>
-    <p:sldId id="262" r:id="rId9"/>
-    <p:sldId id="264" r:id="rId10"/>
+    <p:sldId id="268" r:id="rId6"/>
+    <p:sldId id="265" r:id="rId7"/>
+    <p:sldId id="260" r:id="rId8"/>
+    <p:sldId id="261" r:id="rId9"/>
+    <p:sldId id="262" r:id="rId10"/>
+    <p:sldId id="266" r:id="rId11"/>
+    <p:sldId id="264" r:id="rId12"/>
   </p:sldIdLst>
   <p:sldSz cx="12192000" cy="6858000"/>
   <p:notesSz cx="6858000" cy="9144000"/>
@@ -251,7 +253,7 @@
           <a:p>
             <a:fld id="{BFD379FA-0D5B-4982-9FD8-3DC8BC2BB6A2}" type="datetimeFigureOut">
               <a:rPr lang="ru-RU" smtClean="0"/>
-              <a:t>05.11.2021</a:t>
+              <a:t>08.11.2021</a:t>
             </a:fld>
             <a:endParaRPr lang="ru-RU"/>
           </a:p>
@@ -421,7 +423,7 @@
           <a:p>
             <a:fld id="{BFD379FA-0D5B-4982-9FD8-3DC8BC2BB6A2}" type="datetimeFigureOut">
               <a:rPr lang="ru-RU" smtClean="0"/>
-              <a:t>05.11.2021</a:t>
+              <a:t>08.11.2021</a:t>
             </a:fld>
             <a:endParaRPr lang="ru-RU"/>
           </a:p>
@@ -601,7 +603,7 @@
           <a:p>
             <a:fld id="{BFD379FA-0D5B-4982-9FD8-3DC8BC2BB6A2}" type="datetimeFigureOut">
               <a:rPr lang="ru-RU" smtClean="0"/>
-              <a:t>05.11.2021</a:t>
+              <a:t>08.11.2021</a:t>
             </a:fld>
             <a:endParaRPr lang="ru-RU"/>
           </a:p>
@@ -771,7 +773,7 @@
           <a:p>
             <a:fld id="{BFD379FA-0D5B-4982-9FD8-3DC8BC2BB6A2}" type="datetimeFigureOut">
               <a:rPr lang="ru-RU" smtClean="0"/>
-              <a:t>05.11.2021</a:t>
+              <a:t>08.11.2021</a:t>
             </a:fld>
             <a:endParaRPr lang="ru-RU"/>
           </a:p>
@@ -1017,7 +1019,7 @@
           <a:p>
             <a:fld id="{BFD379FA-0D5B-4982-9FD8-3DC8BC2BB6A2}" type="datetimeFigureOut">
               <a:rPr lang="ru-RU" smtClean="0"/>
-              <a:t>05.11.2021</a:t>
+              <a:t>08.11.2021</a:t>
             </a:fld>
             <a:endParaRPr lang="ru-RU"/>
           </a:p>
@@ -1249,7 +1251,7 @@
           <a:p>
             <a:fld id="{BFD379FA-0D5B-4982-9FD8-3DC8BC2BB6A2}" type="datetimeFigureOut">
               <a:rPr lang="ru-RU" smtClean="0"/>
-              <a:t>05.11.2021</a:t>
+              <a:t>08.11.2021</a:t>
             </a:fld>
             <a:endParaRPr lang="ru-RU"/>
           </a:p>
@@ -1616,7 +1618,7 @@
           <a:p>
             <a:fld id="{BFD379FA-0D5B-4982-9FD8-3DC8BC2BB6A2}" type="datetimeFigureOut">
               <a:rPr lang="ru-RU" smtClean="0"/>
-              <a:t>05.11.2021</a:t>
+              <a:t>08.11.2021</a:t>
             </a:fld>
             <a:endParaRPr lang="ru-RU"/>
           </a:p>
@@ -1734,7 +1736,7 @@
           <a:p>
             <a:fld id="{BFD379FA-0D5B-4982-9FD8-3DC8BC2BB6A2}" type="datetimeFigureOut">
               <a:rPr lang="ru-RU" smtClean="0"/>
-              <a:t>05.11.2021</a:t>
+              <a:t>08.11.2021</a:t>
             </a:fld>
             <a:endParaRPr lang="ru-RU"/>
           </a:p>
@@ -1829,7 +1831,7 @@
           <a:p>
             <a:fld id="{BFD379FA-0D5B-4982-9FD8-3DC8BC2BB6A2}" type="datetimeFigureOut">
               <a:rPr lang="ru-RU" smtClean="0"/>
-              <a:t>05.11.2021</a:t>
+              <a:t>08.11.2021</a:t>
             </a:fld>
             <a:endParaRPr lang="ru-RU"/>
           </a:p>
@@ -2106,7 +2108,7 @@
           <a:p>
             <a:fld id="{BFD379FA-0D5B-4982-9FD8-3DC8BC2BB6A2}" type="datetimeFigureOut">
               <a:rPr lang="ru-RU" smtClean="0"/>
-              <a:t>05.11.2021</a:t>
+              <a:t>08.11.2021</a:t>
             </a:fld>
             <a:endParaRPr lang="ru-RU"/>
           </a:p>
@@ -2359,7 +2361,7 @@
           <a:p>
             <a:fld id="{BFD379FA-0D5B-4982-9FD8-3DC8BC2BB6A2}" type="datetimeFigureOut">
               <a:rPr lang="ru-RU" smtClean="0"/>
-              <a:t>05.11.2021</a:t>
+              <a:t>08.11.2021</a:t>
             </a:fld>
             <a:endParaRPr lang="ru-RU"/>
           </a:p>
@@ -2572,7 +2574,7 @@
           <a:p>
             <a:fld id="{BFD379FA-0D5B-4982-9FD8-3DC8BC2BB6A2}" type="datetimeFigureOut">
               <a:rPr lang="ru-RU" smtClean="0"/>
-              <a:t>05.11.2021</a:t>
+              <a:t>08.11.2021</a:t>
             </a:fld>
             <a:endParaRPr lang="ru-RU"/>
           </a:p>
@@ -3000,39 +3002,50 @@
           <a:lstStyle/>
           <a:p>
             <a:r>
-              <a:rPr lang="ru-RU" sz="4800" b="1" dirty="0">
-                <a:latin typeface="Times New Roman" panose="02020603050405020304" pitchFamily="18" charset="0"/>
-                <a:cs typeface="Times New Roman" panose="02020603050405020304" pitchFamily="18" charset="0"/>
-              </a:rPr>
-              <a:t>Приложение для управления </a:t>
-            </a:r>
-            <a:r>
               <a:rPr lang="ru-RU" sz="4800" b="1" dirty="0" smtClean="0">
                 <a:latin typeface="Times New Roman" panose="02020603050405020304" pitchFamily="18" charset="0"/>
                 <a:cs typeface="Times New Roman" panose="02020603050405020304" pitchFamily="18" charset="0"/>
               </a:rPr>
-              <a:t/>
+              <a:t>Создание приложения </a:t>
+            </a:r>
+            <a:r>
+              <a:rPr lang="en-US" sz="4800" b="1" dirty="0" smtClean="0">
+                <a:latin typeface="Times New Roman" panose="02020603050405020304" pitchFamily="18" charset="0"/>
+                <a:cs typeface="Times New Roman" panose="02020603050405020304" pitchFamily="18" charset="0"/>
+              </a:rPr>
+              <a:t>Duty Manager </a:t>
             </a:r>
             <a:br>
-              <a:rPr lang="ru-RU" sz="4800" b="1" dirty="0" smtClean="0">
+              <a:rPr lang="en-US" sz="4800" b="1" dirty="0" smtClean="0">
                 <a:latin typeface="Times New Roman" panose="02020603050405020304" pitchFamily="18" charset="0"/>
                 <a:cs typeface="Times New Roman" panose="02020603050405020304" pitchFamily="18" charset="0"/>
               </a:rPr>
             </a:br>
             <a:r>
-              <a:rPr lang="ru-RU" sz="4800" b="1" dirty="0" smtClean="0">
+              <a:rPr lang="ru-RU" sz="3200" b="1" dirty="0" smtClean="0">
                 <a:latin typeface="Times New Roman" panose="02020603050405020304" pitchFamily="18" charset="0"/>
                 <a:cs typeface="Times New Roman" panose="02020603050405020304" pitchFamily="18" charset="0"/>
               </a:rPr>
-              <a:t>дежурствами </a:t>
-            </a:r>
-            <a:r>
-              <a:rPr lang="ru-RU" sz="4800" b="1" dirty="0">
+              <a:t>для управления</a:t>
+            </a:r>
+            <a:r>
+              <a:rPr lang="en-US" sz="3200" b="1" dirty="0" smtClean="0">
                 <a:latin typeface="Times New Roman" panose="02020603050405020304" pitchFamily="18" charset="0"/>
                 <a:cs typeface="Times New Roman" panose="02020603050405020304" pitchFamily="18" charset="0"/>
               </a:rPr>
-              <a:t>в школе</a:t>
-            </a:r>
+              <a:t> </a:t>
+            </a:r>
+            <a:r>
+              <a:rPr lang="ru-RU" sz="3200" b="1" dirty="0" smtClean="0">
+                <a:latin typeface="Times New Roman" panose="02020603050405020304" pitchFamily="18" charset="0"/>
+                <a:cs typeface="Times New Roman" panose="02020603050405020304" pitchFamily="18" charset="0"/>
+              </a:rPr>
+              <a:t>дежурствами в школе</a:t>
+            </a:r>
+            <a:endParaRPr lang="ru-RU" sz="3200" b="1" dirty="0">
+              <a:latin typeface="Times New Roman" panose="02020603050405020304" pitchFamily="18" charset="0"/>
+              <a:cs typeface="Times New Roman" panose="02020603050405020304" pitchFamily="18" charset="0"/>
+            </a:endParaRPr>
           </a:p>
         </p:txBody>
       </p:sp>
@@ -3084,7 +3097,14 @@
                 <a:latin typeface="Times New Roman" panose="02020603050405020304" pitchFamily="18" charset="0"/>
                 <a:cs typeface="Times New Roman" panose="02020603050405020304" pitchFamily="18" charset="0"/>
               </a:rPr>
-              <a:t>Карим Крамин</a:t>
+              <a:t>Крамин Карим </a:t>
+            </a:r>
+            <a:r>
+              <a:rPr lang="ru-RU" dirty="0">
+                <a:latin typeface="Times New Roman" panose="02020603050405020304" pitchFamily="18" charset="0"/>
+                <a:cs typeface="Times New Roman" panose="02020603050405020304" pitchFamily="18" charset="0"/>
+              </a:rPr>
+              <a:t>Тимурович</a:t>
             </a:r>
             <a:endParaRPr lang="ru-RU" dirty="0">
               <a:latin typeface="Times New Roman" panose="02020603050405020304" pitchFamily="18" charset="0"/>
@@ -3147,6 +3167,182 @@
 </p:sld>
 </file>
 
+<file path=ppt/slides/slide10.xml><?xml version="1.0" encoding="utf-8"?>
+<p:sld xmlns:a="http://schemas.openxmlformats.org/drawingml/2006/main" xmlns:r="http://schemas.openxmlformats.org/officeDocument/2006/relationships" xmlns:p="http://schemas.openxmlformats.org/presentationml/2006/main">
+  <p:cSld>
+    <p:spTree>
+      <p:nvGrpSpPr>
+        <p:cNvPr id="1" name=""/>
+        <p:cNvGrpSpPr/>
+        <p:nvPr/>
+      </p:nvGrpSpPr>
+      <p:grpSpPr>
+        <a:xfrm>
+          <a:off x="0" y="0"/>
+          <a:ext cx="0" cy="0"/>
+          <a:chOff x="0" y="0"/>
+          <a:chExt cx="0" cy="0"/>
+        </a:xfrm>
+      </p:grpSpPr>
+      <p:sp>
+        <p:nvSpPr>
+          <p:cNvPr id="2" name="Заголовок 1"/>
+          <p:cNvSpPr>
+            <a:spLocks noGrp="1"/>
+          </p:cNvSpPr>
+          <p:nvPr>
+            <p:ph type="title"/>
+          </p:nvPr>
+        </p:nvSpPr>
+        <p:spPr/>
+        <p:txBody>
+          <a:bodyPr>
+            <a:normAutofit/>
+          </a:bodyPr>
+          <a:lstStyle/>
+          <a:p>
+            <a:pPr algn="ctr"/>
+            <a:r>
+              <a:rPr lang="ru-RU" sz="4700" dirty="0">
+                <a:latin typeface="Times New Roman" panose="02020603050405020304" pitchFamily="18" charset="0"/>
+                <a:cs typeface="Times New Roman" panose="02020603050405020304" pitchFamily="18" charset="0"/>
+              </a:rPr>
+              <a:t>Выводы и перспективы</a:t>
+            </a:r>
+            <a:endParaRPr lang="ru-RU" sz="4700" dirty="0">
+              <a:latin typeface="Times New Roman" panose="02020603050405020304" pitchFamily="18" charset="0"/>
+              <a:cs typeface="Times New Roman" panose="02020603050405020304" pitchFamily="18" charset="0"/>
+            </a:endParaRPr>
+          </a:p>
+        </p:txBody>
+      </p:sp>
+      <p:sp>
+        <p:nvSpPr>
+          <p:cNvPr id="3" name="Объект 2"/>
+          <p:cNvSpPr>
+            <a:spLocks noGrp="1"/>
+          </p:cNvSpPr>
+          <p:nvPr>
+            <p:ph idx="1"/>
+          </p:nvPr>
+        </p:nvSpPr>
+        <p:spPr/>
+        <p:txBody>
+          <a:bodyPr>
+            <a:normAutofit lnSpcReduction="10000"/>
+          </a:bodyPr>
+          <a:lstStyle/>
+          <a:p>
+            <a:r>
+              <a:rPr lang="ru-RU" dirty="0" smtClean="0">
+                <a:latin typeface="Times New Roman" panose="02020603050405020304" pitchFamily="18" charset="0"/>
+                <a:cs typeface="Times New Roman" panose="02020603050405020304" pitchFamily="18" charset="0"/>
+              </a:rPr>
+              <a:t>Разработанная первая версия Приложения автоматизирует основные функции процесса назначения дежурств в школе, учитывает интересы учеников и пожелания классных руководителей.</a:t>
+            </a:r>
+          </a:p>
+          <a:p>
+            <a:r>
+              <a:rPr lang="ru-RU" dirty="0" smtClean="0">
+                <a:latin typeface="Times New Roman" panose="02020603050405020304" pitchFamily="18" charset="0"/>
+                <a:cs typeface="Times New Roman" panose="02020603050405020304" pitchFamily="18" charset="0"/>
+              </a:rPr>
+              <a:t>Приложение имеет ряд направлений для совершенствования и доработок. В частности, возможно учесть больше пожеланий участников процесса, повысить уровень автоматизации Приложения. </a:t>
+            </a:r>
+          </a:p>
+          <a:p>
+            <a:r>
+              <a:rPr lang="ru-RU" dirty="0" smtClean="0">
+                <a:latin typeface="Times New Roman" panose="02020603050405020304" pitchFamily="18" charset="0"/>
+                <a:cs typeface="Times New Roman" panose="02020603050405020304" pitchFamily="18" charset="0"/>
+              </a:rPr>
+              <a:t>Кроме того, возможно уточнить некоторые формулировки Приложения. В текущем варианте Приложения для большинства классов использованы условные персональные данные.</a:t>
+            </a:r>
+            <a:endParaRPr lang="ru-RU" dirty="0">
+              <a:latin typeface="Times New Roman" panose="02020603050405020304" pitchFamily="18" charset="0"/>
+              <a:cs typeface="Times New Roman" panose="02020603050405020304" pitchFamily="18" charset="0"/>
+            </a:endParaRPr>
+          </a:p>
+        </p:txBody>
+      </p:sp>
+    </p:spTree>
+    <p:extLst>
+      <p:ext uri="{BB962C8B-B14F-4D97-AF65-F5344CB8AC3E}">
+        <p14:creationId xmlns:p14="http://schemas.microsoft.com/office/powerpoint/2010/main" val="3344812792"/>
+      </p:ext>
+    </p:extLst>
+  </p:cSld>
+  <p:clrMapOvr>
+    <a:masterClrMapping/>
+  </p:clrMapOvr>
+</p:sld>
+</file>
+
+<file path=ppt/slides/slide11.xml><?xml version="1.0" encoding="utf-8"?>
+<p:sld xmlns:a="http://schemas.openxmlformats.org/drawingml/2006/main" xmlns:r="http://schemas.openxmlformats.org/officeDocument/2006/relationships" xmlns:p="http://schemas.openxmlformats.org/presentationml/2006/main">
+  <p:cSld>
+    <p:spTree>
+      <p:nvGrpSpPr>
+        <p:cNvPr id="1" name=""/>
+        <p:cNvGrpSpPr/>
+        <p:nvPr/>
+      </p:nvGrpSpPr>
+      <p:grpSpPr>
+        <a:xfrm>
+          <a:off x="0" y="0"/>
+          <a:ext cx="0" cy="0"/>
+          <a:chOff x="0" y="0"/>
+          <a:chExt cx="0" cy="0"/>
+        </a:xfrm>
+      </p:grpSpPr>
+      <p:sp>
+        <p:nvSpPr>
+          <p:cNvPr id="2" name="Заголовок 1"/>
+          <p:cNvSpPr>
+            <a:spLocks noGrp="1"/>
+          </p:cNvSpPr>
+          <p:nvPr>
+            <p:ph type="title"/>
+          </p:nvPr>
+        </p:nvSpPr>
+        <p:spPr>
+          <a:xfrm>
+            <a:off x="0" y="2435225"/>
+            <a:ext cx="12192000" cy="1325563"/>
+          </a:xfrm>
+        </p:spPr>
+        <p:txBody>
+          <a:bodyPr/>
+          <a:lstStyle/>
+          <a:p>
+            <a:pPr algn="ctr"/>
+            <a:r>
+              <a:rPr lang="ru-RU" dirty="0" smtClean="0">
+                <a:latin typeface="Times New Roman" panose="02020603050405020304" pitchFamily="18" charset="0"/>
+                <a:cs typeface="Times New Roman" panose="02020603050405020304" pitchFamily="18" charset="0"/>
+              </a:rPr>
+              <a:t>Спасибо за внимание </a:t>
+            </a:r>
+            <a:endParaRPr lang="ru-RU" dirty="0">
+              <a:latin typeface="Times New Roman" panose="02020603050405020304" pitchFamily="18" charset="0"/>
+              <a:cs typeface="Times New Roman" panose="02020603050405020304" pitchFamily="18" charset="0"/>
+            </a:endParaRPr>
+          </a:p>
+        </p:txBody>
+      </p:sp>
+    </p:spTree>
+    <p:extLst>
+      <p:ext uri="{BB962C8B-B14F-4D97-AF65-F5344CB8AC3E}">
+        <p14:creationId xmlns:p14="http://schemas.microsoft.com/office/powerpoint/2010/main" val="2837794166"/>
+      </p:ext>
+    </p:extLst>
+  </p:cSld>
+  <p:clrMapOvr>
+    <a:masterClrMapping/>
+  </p:clrMapOvr>
+</p:sld>
+</file>
+
 <file path=ppt/slides/slide2.xml><?xml version="1.0" encoding="utf-8"?>
 <p:sld xmlns:a="http://schemas.openxmlformats.org/drawingml/2006/main" xmlns:r="http://schemas.openxmlformats.org/officeDocument/2006/relationships" xmlns:p="http://schemas.openxmlformats.org/presentationml/2006/main">
   <p:cSld>
@@ -3176,44 +3372,36 @@
         </p:nvSpPr>
         <p:spPr>
           <a:xfrm>
-            <a:off x="0" y="699181"/>
-            <a:ext cx="12192000" cy="1231220"/>
+            <a:off x="-117764" y="649305"/>
+            <a:ext cx="12192000" cy="730608"/>
           </a:xfrm>
         </p:spPr>
         <p:txBody>
           <a:bodyPr>
-            <a:normAutofit fontScale="90000"/>
+            <a:noAutofit/>
           </a:bodyPr>
           <a:lstStyle/>
           <a:p>
-            <a:r>
-              <a:rPr lang="ru-RU" sz="4800" dirty="0" smtClean="0">
+            <a:pPr>
+              <a:lnSpc>
+                <a:spcPct val="100000"/>
+              </a:lnSpc>
+            </a:pPr>
+            <a:r>
+              <a:rPr lang="ru-RU" sz="4700" dirty="0" smtClean="0">
                 <a:latin typeface="Times New Roman" panose="02020603050405020304" pitchFamily="18" charset="0"/>
                 <a:cs typeface="Times New Roman" panose="02020603050405020304" pitchFamily="18" charset="0"/>
               </a:rPr>
               <a:t>Зачем нужно это приложение</a:t>
             </a:r>
             <a:r>
-              <a:rPr lang="en-US" sz="4800" dirty="0" smtClean="0">
+              <a:rPr lang="en-US" sz="4700" dirty="0" smtClean="0">
                 <a:latin typeface="Times New Roman" panose="02020603050405020304" pitchFamily="18" charset="0"/>
                 <a:cs typeface="Times New Roman" panose="02020603050405020304" pitchFamily="18" charset="0"/>
               </a:rPr>
               <a:t>?</a:t>
             </a:r>
-            <a:r>
-              <a:rPr lang="ru-RU" sz="4800" dirty="0" smtClean="0">
-                <a:latin typeface="Times New Roman" panose="02020603050405020304" pitchFamily="18" charset="0"/>
-                <a:cs typeface="Times New Roman" panose="02020603050405020304" pitchFamily="18" charset="0"/>
-              </a:rPr>
-              <a:t/>
-            </a:r>
-            <a:br>
-              <a:rPr lang="ru-RU" sz="4800" dirty="0" smtClean="0">
-                <a:latin typeface="Times New Roman" panose="02020603050405020304" pitchFamily="18" charset="0"/>
-                <a:cs typeface="Times New Roman" panose="02020603050405020304" pitchFamily="18" charset="0"/>
-              </a:rPr>
-            </a:br>
-            <a:endParaRPr lang="ru-RU" sz="4800" dirty="0">
+            <a:endParaRPr lang="ru-RU" sz="4700" dirty="0">
               <a:latin typeface="Times New Roman" panose="02020603050405020304" pitchFamily="18" charset="0"/>
               <a:cs typeface="Times New Roman" panose="02020603050405020304" pitchFamily="18" charset="0"/>
             </a:endParaRPr>
@@ -3244,7 +3432,7 @@
           <a:p>
             <a:pPr algn="l"/>
             <a:r>
-              <a:rPr lang="ru-RU" dirty="0" smtClean="0">
+              <a:rPr lang="ru-RU" sz="2800" dirty="0" smtClean="0">
                 <a:latin typeface="Times New Roman" panose="02020603050405020304" pitchFamily="18" charset="0"/>
                 <a:cs typeface="Times New Roman" panose="02020603050405020304" pitchFamily="18" charset="0"/>
               </a:rPr>
@@ -3254,24 +3442,38 @@
           <a:p>
             <a:pPr algn="l"/>
             <a:r>
-              <a:rPr lang="ru-RU" dirty="0">
+              <a:rPr lang="ru-RU" sz="2800" dirty="0">
                 <a:latin typeface="Times New Roman" panose="02020603050405020304" pitchFamily="18" charset="0"/>
                 <a:cs typeface="Times New Roman" panose="02020603050405020304" pitchFamily="18" charset="0"/>
               </a:rPr>
               <a:t>› </a:t>
             </a:r>
             <a:r>
-              <a:rPr lang="ru-RU" dirty="0" smtClean="0">
+              <a:rPr lang="ru-RU" sz="2800" dirty="0" smtClean="0">
                 <a:latin typeface="Times New Roman" panose="02020603050405020304" pitchFamily="18" charset="0"/>
                 <a:cs typeface="Times New Roman" panose="02020603050405020304" pitchFamily="18" charset="0"/>
               </a:rPr>
-              <a:t>учет желаний учителей и учеников по времени дежурств</a:t>
+              <a:t>учет желаний учителей и учеников </a:t>
+            </a:r>
+            <a:r>
+              <a:rPr lang="ru-RU" sz="2800" dirty="0" smtClean="0">
+                <a:latin typeface="Times New Roman" panose="02020603050405020304" pitchFamily="18" charset="0"/>
+                <a:cs typeface="Times New Roman" panose="02020603050405020304" pitchFamily="18" charset="0"/>
+              </a:rPr>
+              <a:t>о </a:t>
+            </a:r>
+            <a:r>
+              <a:rPr lang="ru-RU" sz="2800" dirty="0" smtClean="0">
+                <a:latin typeface="Times New Roman" panose="02020603050405020304" pitchFamily="18" charset="0"/>
+                <a:cs typeface="Times New Roman" panose="02020603050405020304" pitchFamily="18" charset="0"/>
+              </a:rPr>
+              <a:t>времени дежурств</a:t>
             </a:r>
           </a:p>
           <a:p>
             <a:pPr algn="l"/>
             <a:r>
-              <a:rPr lang="ru-RU" dirty="0" smtClean="0">
+              <a:rPr lang="ru-RU" sz="2800" dirty="0" smtClean="0">
                 <a:latin typeface="Times New Roman" panose="02020603050405020304" pitchFamily="18" charset="0"/>
                 <a:cs typeface="Times New Roman" panose="02020603050405020304" pitchFamily="18" charset="0"/>
               </a:rPr>
@@ -3281,7 +3483,7 @@
           <a:p>
             <a:pPr algn="l"/>
             <a:r>
-              <a:rPr lang="ru-RU" dirty="0" smtClean="0">
+              <a:rPr lang="ru-RU" sz="2800" dirty="0" smtClean="0">
                 <a:latin typeface="Times New Roman" panose="02020603050405020304" pitchFamily="18" charset="0"/>
                 <a:cs typeface="Times New Roman" panose="02020603050405020304" pitchFamily="18" charset="0"/>
               </a:rPr>
@@ -3290,7 +3492,7 @@
           </a:p>
           <a:p>
             <a:pPr algn="l"/>
-            <a:endParaRPr lang="ru-RU" dirty="0">
+            <a:endParaRPr lang="ru-RU" sz="2800" dirty="0">
               <a:latin typeface="Times New Roman" panose="02020603050405020304" pitchFamily="18" charset="0"/>
               <a:cs typeface="Times New Roman" panose="02020603050405020304" pitchFamily="18" charset="0"/>
             </a:endParaRPr>
@@ -3370,7 +3572,7 @@
           <a:p>
             <a:pPr algn="ctr"/>
             <a:r>
-              <a:rPr lang="ru-RU" sz="4800" dirty="0" smtClean="0">
+              <a:rPr lang="ru-RU" sz="4700" dirty="0" smtClean="0">
                 <a:latin typeface="Times New Roman" panose="02020603050405020304" pitchFamily="18" charset="0"/>
                 <a:cs typeface="Times New Roman" panose="02020603050405020304" pitchFamily="18" charset="0"/>
               </a:rPr>
@@ -3587,7 +3789,21 @@
                 <a:latin typeface="Times New Roman" panose="02020603050405020304" pitchFamily="18" charset="0"/>
                 <a:cs typeface="Times New Roman" panose="02020603050405020304" pitchFamily="18" charset="0"/>
               </a:rPr>
-              <a:t>создание приложения, который автоматизирует процесс организации дежурств в школе.</a:t>
+              <a:t>создание приложения, </a:t>
+            </a:r>
+            <a:r>
+              <a:rPr lang="ru-RU" dirty="0" smtClean="0">
+                <a:latin typeface="Times New Roman" panose="02020603050405020304" pitchFamily="18" charset="0"/>
+                <a:cs typeface="Times New Roman" panose="02020603050405020304" pitchFamily="18" charset="0"/>
+              </a:rPr>
+              <a:t>которое </a:t>
+            </a:r>
+            <a:r>
+              <a:rPr lang="ru-RU" dirty="0" smtClean="0">
+                <a:latin typeface="Times New Roman" panose="02020603050405020304" pitchFamily="18" charset="0"/>
+                <a:cs typeface="Times New Roman" panose="02020603050405020304" pitchFamily="18" charset="0"/>
+              </a:rPr>
+              <a:t>автоматизирует процесс организации дежурств в школе.</a:t>
             </a:r>
             <a:endParaRPr lang="ru-RU" dirty="0">
               <a:latin typeface="Times New Roman" panose="02020603050405020304" pitchFamily="18" charset="0"/>
@@ -3686,7 +3902,7 @@
         </p:spPr>
         <p:txBody>
           <a:bodyPr vert="horz" lIns="91440" tIns="45720" rIns="91440" bIns="45720" rtlCol="0" anchor="ctr">
-            <a:normAutofit fontScale="97500"/>
+            <a:noAutofit/>
           </a:bodyPr>
           <a:lstStyle>
             <a:lvl1pPr algn="l" defTabSz="914400" rtl="0" eaLnBrk="1" latinLnBrk="0" hangingPunct="1">
@@ -3710,12 +3926,37 @@
           <a:p>
             <a:pPr algn="ctr"/>
             <a:r>
-              <a:rPr lang="ru-RU" sz="4800" dirty="0" smtClean="0">
+              <a:rPr lang="ru-RU" sz="4700" dirty="0" smtClean="0">
                 <a:latin typeface="Times New Roman" panose="02020603050405020304" pitchFamily="18" charset="0"/>
                 <a:cs typeface="Times New Roman" panose="02020603050405020304" pitchFamily="18" charset="0"/>
               </a:rPr>
-              <a:t>Используемые программные продукты</a:t>
-            </a:r>
+              <a:t>Используемые </a:t>
+            </a:r>
+            <a:r>
+              <a:rPr lang="ru-RU" sz="4700" dirty="0" smtClean="0">
+                <a:latin typeface="Times New Roman" panose="02020603050405020304" pitchFamily="18" charset="0"/>
+                <a:cs typeface="Times New Roman" panose="02020603050405020304" pitchFamily="18" charset="0"/>
+              </a:rPr>
+              <a:t>технологии и </a:t>
+            </a:r>
+            <a:endParaRPr lang="ru-RU" sz="4700" dirty="0" smtClean="0">
+              <a:latin typeface="Times New Roman" panose="02020603050405020304" pitchFamily="18" charset="0"/>
+              <a:cs typeface="Times New Roman" panose="02020603050405020304" pitchFamily="18" charset="0"/>
+            </a:endParaRPr>
+          </a:p>
+          <a:p>
+            <a:pPr algn="ctr"/>
+            <a:r>
+              <a:rPr lang="ru-RU" sz="4700" dirty="0" smtClean="0">
+                <a:latin typeface="Times New Roman" panose="02020603050405020304" pitchFamily="18" charset="0"/>
+                <a:cs typeface="Times New Roman" panose="02020603050405020304" pitchFamily="18" charset="0"/>
+              </a:rPr>
+              <a:t>программные продукты </a:t>
+            </a:r>
+            <a:endParaRPr lang="ru-RU" sz="4700" dirty="0" smtClean="0">
+              <a:latin typeface="Times New Roman" panose="02020603050405020304" pitchFamily="18" charset="0"/>
+              <a:cs typeface="Times New Roman" panose="02020603050405020304" pitchFamily="18" charset="0"/>
+            </a:endParaRPr>
           </a:p>
         </p:txBody>
       </p:sp>
@@ -3729,7 +3970,7 @@
         </p:nvSpPr>
         <p:spPr>
           <a:xfrm>
-            <a:off x="1019628" y="1768928"/>
+            <a:off x="994690" y="1943495"/>
             <a:ext cx="10355943" cy="2028371"/>
           </a:xfrm>
           <a:prstGeom prst="rect">
@@ -3913,33 +4154,84 @@
                 <a:latin typeface="Times New Roman" panose="02020603050405020304" pitchFamily="18" charset="0"/>
                 <a:cs typeface="Times New Roman" panose="02020603050405020304" pitchFamily="18" charset="0"/>
               </a:rPr>
-              <a:t>Sqlite3 – для работы с базами данных</a:t>
-            </a:r>
-          </a:p>
-          <a:p>
-            <a:pPr marL="0" indent="0">
-              <a:buNone/>
-            </a:pPr>
+              <a:t>Sqlite3 </a:t>
+            </a:r>
             <a:r>
               <a:rPr lang="ru-RU" dirty="0" smtClean="0">
                 <a:latin typeface="Times New Roman" panose="02020603050405020304" pitchFamily="18" charset="0"/>
                 <a:cs typeface="Times New Roman" panose="02020603050405020304" pitchFamily="18" charset="0"/>
               </a:rPr>
-              <a:t>PyQt5 – создание приложения</a:t>
-            </a:r>
-          </a:p>
-          <a:p>
-            <a:pPr marL="0" indent="0">
-              <a:buNone/>
-            </a:pPr>
+              <a:t>– работа </a:t>
+            </a:r>
             <a:r>
               <a:rPr lang="ru-RU" dirty="0" smtClean="0">
                 <a:latin typeface="Times New Roman" panose="02020603050405020304" pitchFamily="18" charset="0"/>
                 <a:cs typeface="Times New Roman" panose="02020603050405020304" pitchFamily="18" charset="0"/>
               </a:rPr>
-              <a:t>Pyinstaller – для создания отдельного приложения</a:t>
-            </a:r>
-            <a:endParaRPr lang="ru-RU" dirty="0">
+              <a:t>с базами данных</a:t>
+            </a:r>
+          </a:p>
+          <a:p>
+            <a:pPr marL="0" indent="0">
+              <a:buNone/>
+            </a:pPr>
+            <a:r>
+              <a:rPr lang="ru-RU" dirty="0" smtClean="0">
+                <a:latin typeface="Times New Roman" panose="02020603050405020304" pitchFamily="18" charset="0"/>
+                <a:cs typeface="Times New Roman" panose="02020603050405020304" pitchFamily="18" charset="0"/>
+              </a:rPr>
+              <a:t>PyQt5 – создание </a:t>
+            </a:r>
+            <a:r>
+              <a:rPr lang="ru-RU" dirty="0" smtClean="0">
+                <a:latin typeface="Times New Roman" panose="02020603050405020304" pitchFamily="18" charset="0"/>
+                <a:cs typeface="Times New Roman" panose="02020603050405020304" pitchFamily="18" charset="0"/>
+              </a:rPr>
+              <a:t>приложения</a:t>
+            </a:r>
+            <a:endParaRPr lang="en-US" dirty="0" smtClean="0">
+              <a:latin typeface="Times New Roman" panose="02020603050405020304" pitchFamily="18" charset="0"/>
+              <a:cs typeface="Times New Roman" panose="02020603050405020304" pitchFamily="18" charset="0"/>
+            </a:endParaRPr>
+          </a:p>
+          <a:p>
+            <a:pPr marL="0" indent="0">
+              <a:buNone/>
+            </a:pPr>
+            <a:r>
+              <a:rPr lang="en-US" dirty="0" smtClean="0">
+                <a:latin typeface="Times New Roman" panose="02020603050405020304" pitchFamily="18" charset="0"/>
+                <a:cs typeface="Times New Roman" panose="02020603050405020304" pitchFamily="18" charset="0"/>
+              </a:rPr>
+              <a:t>Github –</a:t>
+            </a:r>
+            <a:r>
+              <a:rPr lang="ru-RU" dirty="0" smtClean="0">
+                <a:latin typeface="Times New Roman" panose="02020603050405020304" pitchFamily="18" charset="0"/>
+                <a:cs typeface="Times New Roman" panose="02020603050405020304" pitchFamily="18" charset="0"/>
+              </a:rPr>
+              <a:t> управление проектом и версиями кода</a:t>
+            </a:r>
+          </a:p>
+          <a:p>
+            <a:pPr marL="0" indent="0">
+              <a:buNone/>
+            </a:pPr>
+            <a:r>
+              <a:rPr lang="en-US" dirty="0" smtClean="0">
+                <a:latin typeface="Times New Roman" panose="02020603050405020304" pitchFamily="18" charset="0"/>
+                <a:cs typeface="Times New Roman" panose="02020603050405020304" pitchFamily="18" charset="0"/>
+              </a:rPr>
+              <a:t>Qt Designer –</a:t>
+            </a:r>
+            <a:r>
+              <a:rPr lang="ru-RU" dirty="0" smtClean="0">
+                <a:latin typeface="Times New Roman" panose="02020603050405020304" pitchFamily="18" charset="0"/>
+                <a:cs typeface="Times New Roman" panose="02020603050405020304" pitchFamily="18" charset="0"/>
+              </a:rPr>
+              <a:t> создание дизайна приложения</a:t>
+            </a:r>
+            <a:endParaRPr lang="ru-RU" dirty="0" smtClean="0">
               <a:latin typeface="Times New Roman" panose="02020603050405020304" pitchFamily="18" charset="0"/>
               <a:cs typeface="Times New Roman" panose="02020603050405020304" pitchFamily="18" charset="0"/>
             </a:endParaRPr>
@@ -3988,17 +4280,154 @@
         </p:nvSpPr>
         <p:spPr/>
         <p:txBody>
+          <a:bodyPr>
+            <a:normAutofit/>
+          </a:bodyPr>
+          <a:lstStyle/>
+          <a:p>
+            <a:pPr algn="ctr"/>
+            <a:r>
+              <a:rPr lang="ru-RU" sz="4800" dirty="0" smtClean="0">
+                <a:latin typeface="Times New Roman" panose="02020603050405020304" pitchFamily="18" charset="0"/>
+                <a:cs typeface="Times New Roman" panose="02020603050405020304" pitchFamily="18" charset="0"/>
+              </a:rPr>
+              <a:t>Структура Приложения</a:t>
+            </a:r>
+            <a:endParaRPr lang="ru-RU" sz="4800" dirty="0">
+              <a:latin typeface="Times New Roman" panose="02020603050405020304" pitchFamily="18" charset="0"/>
+              <a:cs typeface="Times New Roman" panose="02020603050405020304" pitchFamily="18" charset="0"/>
+            </a:endParaRPr>
+          </a:p>
+        </p:txBody>
+      </p:sp>
+      <p:sp>
+        <p:nvSpPr>
+          <p:cNvPr id="5" name="Объект 4"/>
+          <p:cNvSpPr>
+            <a:spLocks noGrp="1"/>
+          </p:cNvSpPr>
+          <p:nvPr>
+            <p:ph idx="1"/>
+          </p:nvPr>
+        </p:nvSpPr>
+        <p:spPr/>
+        <p:txBody>
           <a:bodyPr/>
           <a:lstStyle/>
           <a:p>
+            <a:pPr marL="571500" indent="-571500">
+              <a:buFont typeface="+mj-lt"/>
+              <a:buAutoNum type="romanUcPeriod"/>
+            </a:pPr>
             <a:r>
               <a:rPr lang="ru-RU" dirty="0" smtClean="0">
                 <a:latin typeface="Times New Roman" panose="02020603050405020304" pitchFamily="18" charset="0"/>
                 <a:cs typeface="Times New Roman" panose="02020603050405020304" pitchFamily="18" charset="0"/>
               </a:rPr>
+              <a:t>Структура таблиц БД со связями между ними</a:t>
+            </a:r>
+          </a:p>
+          <a:p>
+            <a:pPr marL="571500" indent="-571500">
+              <a:buFont typeface="+mj-lt"/>
+              <a:buAutoNum type="romanUcPeriod"/>
+            </a:pPr>
+            <a:r>
+              <a:rPr lang="ru-RU" dirty="0" smtClean="0">
+                <a:latin typeface="Times New Roman" panose="02020603050405020304" pitchFamily="18" charset="0"/>
+                <a:cs typeface="Times New Roman" panose="02020603050405020304" pitchFamily="18" charset="0"/>
+              </a:rPr>
+              <a:t>Программные функции для работы с таблицами</a:t>
+            </a:r>
+          </a:p>
+          <a:p>
+            <a:pPr marL="571500" indent="-571500">
+              <a:buFont typeface="+mj-lt"/>
+              <a:buAutoNum type="romanUcPeriod"/>
+            </a:pPr>
+            <a:r>
+              <a:rPr lang="ru-RU" dirty="0" smtClean="0">
+                <a:latin typeface="Times New Roman" panose="02020603050405020304" pitchFamily="18" charset="0"/>
+                <a:cs typeface="Times New Roman" panose="02020603050405020304" pitchFamily="18" charset="0"/>
+              </a:rPr>
+              <a:t>Программный алгоритм приложения, обеспечивающий работу программы</a:t>
+            </a:r>
+          </a:p>
+          <a:p>
+            <a:pPr marL="571500" indent="-571500">
+              <a:buFont typeface="+mj-lt"/>
+              <a:buAutoNum type="romanUcPeriod"/>
+            </a:pPr>
+            <a:r>
+              <a:rPr lang="ru-RU" dirty="0" smtClean="0">
+                <a:latin typeface="Times New Roman" panose="02020603050405020304" pitchFamily="18" charset="0"/>
+                <a:cs typeface="Times New Roman" panose="02020603050405020304" pitchFamily="18" charset="0"/>
+              </a:rPr>
+              <a:t>Часть программы, обеспечивающая интерфейс взаимодействия с пользователем</a:t>
+            </a:r>
+            <a:endParaRPr lang="ru-RU" dirty="0">
+              <a:latin typeface="Times New Roman" panose="02020603050405020304" pitchFamily="18" charset="0"/>
+              <a:cs typeface="Times New Roman" panose="02020603050405020304" pitchFamily="18" charset="0"/>
+            </a:endParaRPr>
+          </a:p>
+        </p:txBody>
+      </p:sp>
+    </p:spTree>
+    <p:extLst>
+      <p:ext uri="{BB962C8B-B14F-4D97-AF65-F5344CB8AC3E}">
+        <p14:creationId xmlns:p14="http://schemas.microsoft.com/office/powerpoint/2010/main" val="2021340796"/>
+      </p:ext>
+    </p:extLst>
+  </p:cSld>
+  <p:clrMapOvr>
+    <a:masterClrMapping/>
+  </p:clrMapOvr>
+</p:sld>
+</file>
+
+<file path=ppt/slides/slide6.xml><?xml version="1.0" encoding="utf-8"?>
+<p:sld xmlns:a="http://schemas.openxmlformats.org/drawingml/2006/main" xmlns:r="http://schemas.openxmlformats.org/officeDocument/2006/relationships" xmlns:p="http://schemas.openxmlformats.org/presentationml/2006/main">
+  <p:cSld>
+    <p:spTree>
+      <p:nvGrpSpPr>
+        <p:cNvPr id="1" name=""/>
+        <p:cNvGrpSpPr/>
+        <p:nvPr/>
+      </p:nvGrpSpPr>
+      <p:grpSpPr>
+        <a:xfrm>
+          <a:off x="0" y="0"/>
+          <a:ext cx="0" cy="0"/>
+          <a:chOff x="0" y="0"/>
+          <a:chExt cx="0" cy="0"/>
+        </a:xfrm>
+      </p:grpSpPr>
+      <p:sp>
+        <p:nvSpPr>
+          <p:cNvPr id="2" name="Заголовок 1"/>
+          <p:cNvSpPr>
+            <a:spLocks noGrp="1"/>
+          </p:cNvSpPr>
+          <p:nvPr>
+            <p:ph type="title"/>
+          </p:nvPr>
+        </p:nvSpPr>
+        <p:spPr/>
+        <p:txBody>
+          <a:bodyPr>
+            <a:normAutofit/>
+          </a:bodyPr>
+          <a:lstStyle/>
+          <a:p>
+            <a:pPr algn="ctr"/>
+            <a:r>
+              <a:rPr lang="ru-RU" sz="4700" dirty="0" smtClean="0">
+                <a:latin typeface="Times New Roman" panose="02020603050405020304" pitchFamily="18" charset="0"/>
+                <a:cs typeface="Times New Roman" panose="02020603050405020304" pitchFamily="18" charset="0"/>
+              </a:rPr>
               <a:t>Авторизация и регистрация</a:t>
             </a:r>
-            <a:endParaRPr lang="ru-RU" dirty="0">
+            <a:endParaRPr lang="ru-RU" sz="4700" dirty="0">
               <a:latin typeface="Times New Roman" panose="02020603050405020304" pitchFamily="18" charset="0"/>
               <a:cs typeface="Times New Roman" panose="02020603050405020304" pitchFamily="18" charset="0"/>
             </a:endParaRPr>
@@ -4074,7 +4503,7 @@
 </p:sld>
 </file>
 
-<file path=ppt/slides/slide6.xml><?xml version="1.0" encoding="utf-8"?>
+<file path=ppt/slides/slide7.xml><?xml version="1.0" encoding="utf-8"?>
 <p:sld xmlns:a="http://schemas.openxmlformats.org/drawingml/2006/main" xmlns:r="http://schemas.openxmlformats.org/officeDocument/2006/relationships" xmlns:p="http://schemas.openxmlformats.org/presentationml/2006/main">
   <p:cSld>
     <p:spTree>
@@ -4206,7 +4635,7 @@
 </p:sld>
 </file>
 
-<file path=ppt/slides/slide7.xml><?xml version="1.0" encoding="utf-8"?>
+<file path=ppt/slides/slide8.xml><?xml version="1.0" encoding="utf-8"?>
 <p:sld xmlns:a="http://schemas.openxmlformats.org/drawingml/2006/main" xmlns:r="http://schemas.openxmlformats.org/officeDocument/2006/relationships" xmlns:p="http://schemas.openxmlformats.org/presentationml/2006/main">
   <p:cSld>
     <p:spTree>
@@ -4338,7 +4767,7 @@
 </p:sld>
 </file>
 
-<file path=ppt/slides/slide8.xml><?xml version="1.0" encoding="utf-8"?>
+<file path=ppt/slides/slide9.xml><?xml version="1.0" encoding="utf-8"?>
 <p:sld xmlns:a="http://schemas.openxmlformats.org/drawingml/2006/main" xmlns:r="http://schemas.openxmlformats.org/officeDocument/2006/relationships" xmlns:p="http://schemas.openxmlformats.org/presentationml/2006/main">
   <p:cSld>
     <p:spTree>
@@ -4455,71 +4884,6 @@
     <p:extLst>
       <p:ext uri="{BB962C8B-B14F-4D97-AF65-F5344CB8AC3E}">
         <p14:creationId xmlns:p14="http://schemas.microsoft.com/office/powerpoint/2010/main" val="3879133844"/>
-      </p:ext>
-    </p:extLst>
-  </p:cSld>
-  <p:clrMapOvr>
-    <a:masterClrMapping/>
-  </p:clrMapOvr>
-</p:sld>
-</file>
-
-<file path=ppt/slides/slide9.xml><?xml version="1.0" encoding="utf-8"?>
-<p:sld xmlns:a="http://schemas.openxmlformats.org/drawingml/2006/main" xmlns:r="http://schemas.openxmlformats.org/officeDocument/2006/relationships" xmlns:p="http://schemas.openxmlformats.org/presentationml/2006/main">
-  <p:cSld>
-    <p:spTree>
-      <p:nvGrpSpPr>
-        <p:cNvPr id="1" name=""/>
-        <p:cNvGrpSpPr/>
-        <p:nvPr/>
-      </p:nvGrpSpPr>
-      <p:grpSpPr>
-        <a:xfrm>
-          <a:off x="0" y="0"/>
-          <a:ext cx="0" cy="0"/>
-          <a:chOff x="0" y="0"/>
-          <a:chExt cx="0" cy="0"/>
-        </a:xfrm>
-      </p:grpSpPr>
-      <p:sp>
-        <p:nvSpPr>
-          <p:cNvPr id="2" name="Заголовок 1"/>
-          <p:cNvSpPr>
-            <a:spLocks noGrp="1"/>
-          </p:cNvSpPr>
-          <p:nvPr>
-            <p:ph type="title"/>
-          </p:nvPr>
-        </p:nvSpPr>
-        <p:spPr>
-          <a:xfrm>
-            <a:off x="0" y="2435225"/>
-            <a:ext cx="12192000" cy="1325563"/>
-          </a:xfrm>
-        </p:spPr>
-        <p:txBody>
-          <a:bodyPr/>
-          <a:lstStyle/>
-          <a:p>
-            <a:pPr algn="ctr"/>
-            <a:r>
-              <a:rPr lang="ru-RU" dirty="0" smtClean="0">
-                <a:latin typeface="Times New Roman" panose="02020603050405020304" pitchFamily="18" charset="0"/>
-                <a:cs typeface="Times New Roman" panose="02020603050405020304" pitchFamily="18" charset="0"/>
-              </a:rPr>
-              <a:t>Спасибо за внимание </a:t>
-            </a:r>
-            <a:endParaRPr lang="ru-RU" dirty="0">
-              <a:latin typeface="Times New Roman" panose="02020603050405020304" pitchFamily="18" charset="0"/>
-              <a:cs typeface="Times New Roman" panose="02020603050405020304" pitchFamily="18" charset="0"/>
-            </a:endParaRPr>
-          </a:p>
-        </p:txBody>
-      </p:sp>
-    </p:spTree>
-    <p:extLst>
-      <p:ext uri="{BB962C8B-B14F-4D97-AF65-F5344CB8AC3E}">
-        <p14:creationId xmlns:p14="http://schemas.microsoft.com/office/powerpoint/2010/main" val="2837794166"/>
       </p:ext>
     </p:extLst>
   </p:cSld>
